--- a/マージテスト.pptx
+++ b/マージテスト.pptx
@@ -8,6 +8,7 @@
     <p:sldId id="257" r:id="rId2"/>
     <p:sldId id="258" r:id="rId3"/>
     <p:sldId id="259" r:id="rId4"/>
+    <p:sldId id="260" r:id="rId5"/>
   </p:sldIdLst>
   <p:sldSz cx="12192000" cy="6858000"/>
   <p:notesSz cx="6858000" cy="9144000"/>
@@ -106,7 +107,16 @@
       </a:defRPr>
     </a:lvl9pPr>
   </p:defaultTextStyle>
+  <p:extLst>
+    <p:ext uri="{EFAFB233-063F-42B5-8137-9DF3F51BA10A}">
+      <p15:sldGuideLst xmlns:p15="http://schemas.microsoft.com/office/powerpoint/2012/main"/>
+    </p:ext>
+  </p:extLst>
 </p:presentation>
+</file>
+
+<file path=ppt/revisionInfo.xml><?xml version="1.0" encoding="utf-8"?>
+<p1510:revInfo xmlns:a="http://schemas.openxmlformats.org/drawingml/2006/main" xmlns:r="http://schemas.openxmlformats.org/officeDocument/2006/relationships" xmlns:p1510="http://schemas.microsoft.com/office/powerpoint/2015/10/main"/>
 </file>
 
 <file path=ppt/slideLayouts/slideLayout1.xml><?xml version="1.0" encoding="utf-8"?>
@@ -3790,6 +3800,71 @@
 </p:sld>
 </file>
 
+<file path=ppt/slides/slide4.xml><?xml version="1.0" encoding="utf-8"?>
+<p:sld xmlns:a="http://schemas.openxmlformats.org/drawingml/2006/main" xmlns:r="http://schemas.openxmlformats.org/officeDocument/2006/relationships" xmlns:p="http://schemas.openxmlformats.org/presentationml/2006/main">
+  <p:cSld>
+    <p:spTree>
+      <p:nvGrpSpPr>
+        <p:cNvPr id="1" name=""/>
+        <p:cNvGrpSpPr/>
+        <p:nvPr/>
+      </p:nvGrpSpPr>
+      <p:grpSpPr>
+        <a:xfrm>
+          <a:off x="0" y="0"/>
+          <a:ext cx="0" cy="0"/>
+          <a:chOff x="0" y="0"/>
+          <a:chExt cx="0" cy="0"/>
+        </a:xfrm>
+      </p:grpSpPr>
+      <p:sp>
+        <p:nvSpPr>
+          <p:cNvPr id="3" name="正方形/長方形 2">
+            <a:extLst>
+              <a:ext uri="{FF2B5EF4-FFF2-40B4-BE49-F238E27FC236}">
+                <a16:creationId xmlns:a16="http://schemas.microsoft.com/office/drawing/2014/main" id="{AFF543B3-B0B2-4085-ABCE-FBFE7D2DB5B4}"/>
+              </a:ext>
+            </a:extLst>
+          </p:cNvPr>
+          <p:cNvSpPr/>
+          <p:nvPr/>
+        </p:nvSpPr>
+        <p:spPr>
+          <a:xfrm>
+            <a:off x="4853846" y="3044279"/>
+            <a:ext cx="2484308" cy="769441"/>
+          </a:xfrm>
+          <a:prstGeom prst="rect">
+            <a:avLst/>
+          </a:prstGeom>
+        </p:spPr>
+        <p:txBody>
+          <a:bodyPr wrap="square">
+            <a:spAutoFit/>
+          </a:bodyPr>
+          <a:lstStyle/>
+          <a:p>
+            <a:pPr algn="ctr"/>
+            <a:r>
+              <a:rPr lang="ja-JP" altLang="en-US" sz="4400" dirty="0"/>
+              <a:t>５</a:t>
+            </a:r>
+          </a:p>
+        </p:txBody>
+      </p:sp>
+    </p:spTree>
+    <p:extLst>
+      <p:ext uri="{BB962C8B-B14F-4D97-AF65-F5344CB8AC3E}">
+        <p14:creationId xmlns:p14="http://schemas.microsoft.com/office/powerpoint/2010/main" val="3413653853"/>
+      </p:ext>
+    </p:extLst>
+  </p:cSld>
+  <p:clrMapOvr>
+    <a:masterClrMapping/>
+  </p:clrMapOvr>
+</p:sld>
+</file>
+
 <file path=ppt/theme/theme1.xml><?xml version="1.0" encoding="utf-8"?>
 <a:theme xmlns:a="http://schemas.openxmlformats.org/drawingml/2006/main" name="Office テーマ">
   <a:themeElements>

--- a/マージテスト.pptx
+++ b/マージテスト.pptx
@@ -5,10 +5,7 @@
     <p:sldMasterId id="2147483648" r:id="rId1"/>
   </p:sldMasterIdLst>
   <p:sldIdLst>
-    <p:sldId id="257" r:id="rId2"/>
-    <p:sldId id="258" r:id="rId3"/>
-    <p:sldId id="259" r:id="rId4"/>
-    <p:sldId id="260" r:id="rId5"/>
+    <p:sldId id="260" r:id="rId2"/>
   </p:sldIdLst>
   <p:sldSz cx="12192000" cy="6858000"/>
   <p:notesSz cx="6858000" cy="9144000"/>
@@ -3651,202 +3648,6 @@
             <a:pPr algn="ctr"/>
             <a:r>
               <a:rPr lang="ja-JP" altLang="en-US" sz="4400" dirty="0"/>
-              <a:t>１</a:t>
-            </a:r>
-          </a:p>
-        </p:txBody>
-      </p:sp>
-    </p:spTree>
-    <p:extLst>
-      <p:ext uri="{BB962C8B-B14F-4D97-AF65-F5344CB8AC3E}">
-        <p14:creationId xmlns:p14="http://schemas.microsoft.com/office/powerpoint/2010/main" val="1973706084"/>
-      </p:ext>
-    </p:extLst>
-  </p:cSld>
-  <p:clrMapOvr>
-    <a:masterClrMapping/>
-  </p:clrMapOvr>
-</p:sld>
-</file>
-
-<file path=ppt/slides/slide2.xml><?xml version="1.0" encoding="utf-8"?>
-<p:sld xmlns:a="http://schemas.openxmlformats.org/drawingml/2006/main" xmlns:r="http://schemas.openxmlformats.org/officeDocument/2006/relationships" xmlns:p="http://schemas.openxmlformats.org/presentationml/2006/main">
-  <p:cSld>
-    <p:spTree>
-      <p:nvGrpSpPr>
-        <p:cNvPr id="1" name=""/>
-        <p:cNvGrpSpPr/>
-        <p:nvPr/>
-      </p:nvGrpSpPr>
-      <p:grpSpPr>
-        <a:xfrm>
-          <a:off x="0" y="0"/>
-          <a:ext cx="0" cy="0"/>
-          <a:chOff x="0" y="0"/>
-          <a:chExt cx="0" cy="0"/>
-        </a:xfrm>
-      </p:grpSpPr>
-      <p:sp>
-        <p:nvSpPr>
-          <p:cNvPr id="3" name="正方形/長方形 2">
-            <a:extLst>
-              <a:ext uri="{FF2B5EF4-FFF2-40B4-BE49-F238E27FC236}">
-                <a16:creationId xmlns:a16="http://schemas.microsoft.com/office/drawing/2014/main" id="{AFF543B3-B0B2-4085-ABCE-FBFE7D2DB5B4}"/>
-              </a:ext>
-            </a:extLst>
-          </p:cNvPr>
-          <p:cNvSpPr/>
-          <p:nvPr/>
-        </p:nvSpPr>
-        <p:spPr>
-          <a:xfrm>
-            <a:off x="4853846" y="3044279"/>
-            <a:ext cx="2484308" cy="769441"/>
-          </a:xfrm>
-          <a:prstGeom prst="rect">
-            <a:avLst/>
-          </a:prstGeom>
-        </p:spPr>
-        <p:txBody>
-          <a:bodyPr wrap="square">
-            <a:spAutoFit/>
-          </a:bodyPr>
-          <a:lstStyle/>
-          <a:p>
-            <a:pPr algn="ctr"/>
-            <a:r>
-              <a:rPr lang="ja-JP" altLang="en-US" sz="4400" dirty="0"/>
-              <a:t>２</a:t>
-            </a:r>
-          </a:p>
-        </p:txBody>
-      </p:sp>
-    </p:spTree>
-    <p:extLst>
-      <p:ext uri="{BB962C8B-B14F-4D97-AF65-F5344CB8AC3E}">
-        <p14:creationId xmlns:p14="http://schemas.microsoft.com/office/powerpoint/2010/main" val="3182332200"/>
-      </p:ext>
-    </p:extLst>
-  </p:cSld>
-  <p:clrMapOvr>
-    <a:masterClrMapping/>
-  </p:clrMapOvr>
-</p:sld>
-</file>
-
-<file path=ppt/slides/slide3.xml><?xml version="1.0" encoding="utf-8"?>
-<p:sld xmlns:a="http://schemas.openxmlformats.org/drawingml/2006/main" xmlns:r="http://schemas.openxmlformats.org/officeDocument/2006/relationships" xmlns:p="http://schemas.openxmlformats.org/presentationml/2006/main">
-  <p:cSld>
-    <p:spTree>
-      <p:nvGrpSpPr>
-        <p:cNvPr id="1" name=""/>
-        <p:cNvGrpSpPr/>
-        <p:nvPr/>
-      </p:nvGrpSpPr>
-      <p:grpSpPr>
-        <a:xfrm>
-          <a:off x="0" y="0"/>
-          <a:ext cx="0" cy="0"/>
-          <a:chOff x="0" y="0"/>
-          <a:chExt cx="0" cy="0"/>
-        </a:xfrm>
-      </p:grpSpPr>
-      <p:sp>
-        <p:nvSpPr>
-          <p:cNvPr id="3" name="正方形/長方形 2">
-            <a:extLst>
-              <a:ext uri="{FF2B5EF4-FFF2-40B4-BE49-F238E27FC236}">
-                <a16:creationId xmlns:a16="http://schemas.microsoft.com/office/drawing/2014/main" id="{AFF543B3-B0B2-4085-ABCE-FBFE7D2DB5B4}"/>
-              </a:ext>
-            </a:extLst>
-          </p:cNvPr>
-          <p:cNvSpPr/>
-          <p:nvPr/>
-        </p:nvSpPr>
-        <p:spPr>
-          <a:xfrm>
-            <a:off x="4853846" y="3044279"/>
-            <a:ext cx="2484308" cy="769441"/>
-          </a:xfrm>
-          <a:prstGeom prst="rect">
-            <a:avLst/>
-          </a:prstGeom>
-        </p:spPr>
-        <p:txBody>
-          <a:bodyPr wrap="square">
-            <a:spAutoFit/>
-          </a:bodyPr>
-          <a:lstStyle/>
-          <a:p>
-            <a:pPr algn="ctr"/>
-            <a:r>
-              <a:rPr lang="en-US" altLang="ja-JP" sz="4400" dirty="0"/>
-              <a:t>3</a:t>
-            </a:r>
-            <a:endParaRPr lang="ja-JP" altLang="en-US" sz="4400" dirty="0"/>
-          </a:p>
-        </p:txBody>
-      </p:sp>
-    </p:spTree>
-    <p:extLst>
-      <p:ext uri="{BB962C8B-B14F-4D97-AF65-F5344CB8AC3E}">
-        <p14:creationId xmlns:p14="http://schemas.microsoft.com/office/powerpoint/2010/main" val="3338586149"/>
-      </p:ext>
-    </p:extLst>
-  </p:cSld>
-  <p:clrMapOvr>
-    <a:masterClrMapping/>
-  </p:clrMapOvr>
-</p:sld>
-</file>
-
-<file path=ppt/slides/slide4.xml><?xml version="1.0" encoding="utf-8"?>
-<p:sld xmlns:a="http://schemas.openxmlformats.org/drawingml/2006/main" xmlns:r="http://schemas.openxmlformats.org/officeDocument/2006/relationships" xmlns:p="http://schemas.openxmlformats.org/presentationml/2006/main">
-  <p:cSld>
-    <p:spTree>
-      <p:nvGrpSpPr>
-        <p:cNvPr id="1" name=""/>
-        <p:cNvGrpSpPr/>
-        <p:nvPr/>
-      </p:nvGrpSpPr>
-      <p:grpSpPr>
-        <a:xfrm>
-          <a:off x="0" y="0"/>
-          <a:ext cx="0" cy="0"/>
-          <a:chOff x="0" y="0"/>
-          <a:chExt cx="0" cy="0"/>
-        </a:xfrm>
-      </p:grpSpPr>
-      <p:sp>
-        <p:nvSpPr>
-          <p:cNvPr id="3" name="正方形/長方形 2">
-            <a:extLst>
-              <a:ext uri="{FF2B5EF4-FFF2-40B4-BE49-F238E27FC236}">
-                <a16:creationId xmlns:a16="http://schemas.microsoft.com/office/drawing/2014/main" id="{AFF543B3-B0B2-4085-ABCE-FBFE7D2DB5B4}"/>
-              </a:ext>
-            </a:extLst>
-          </p:cNvPr>
-          <p:cNvSpPr/>
-          <p:nvPr/>
-        </p:nvSpPr>
-        <p:spPr>
-          <a:xfrm>
-            <a:off x="4853846" y="3044279"/>
-            <a:ext cx="2484308" cy="769441"/>
-          </a:xfrm>
-          <a:prstGeom prst="rect">
-            <a:avLst/>
-          </a:prstGeom>
-        </p:spPr>
-        <p:txBody>
-          <a:bodyPr wrap="square">
-            <a:spAutoFit/>
-          </a:bodyPr>
-          <a:lstStyle/>
-          <a:p>
-            <a:pPr algn="ctr"/>
-            <a:r>
-              <a:rPr lang="ja-JP" altLang="en-US" sz="4400" dirty="0"/>
               <a:t>５</a:t>
             </a:r>
           </a:p>
